--- a/Desktop/IIG presentation.pptx
+++ b/Desktop/IIG presentation.pptx
@@ -742,7 +742,7 @@
             <a:fld id="{09B08682-293E-4766-A309-367DE8ACF71F}" type="datetimeFigureOut">
               <a:rPr lang="en-US" smtClean="0"/>
               <a:pPr/>
-              <a:t>9/30/2013</a:t>
+              <a:t>10/3/2013</a:t>
             </a:fld>
             <a:endParaRPr lang="en-US"/>
           </a:p>
@@ -940,7 +940,7 @@
             <a:fld id="{09B08682-293E-4766-A309-367DE8ACF71F}" type="datetimeFigureOut">
               <a:rPr lang="en-US" smtClean="0"/>
               <a:pPr/>
-              <a:t>9/30/2013</a:t>
+              <a:t>10/3/2013</a:t>
             </a:fld>
             <a:endParaRPr lang="en-US"/>
           </a:p>
@@ -1127,7 +1127,7 @@
             <a:fld id="{09B08682-293E-4766-A309-367DE8ACF71F}" type="datetimeFigureOut">
               <a:rPr lang="en-US" smtClean="0"/>
               <a:pPr/>
-              <a:t>9/30/2013</a:t>
+              <a:t>10/3/2013</a:t>
             </a:fld>
             <a:endParaRPr lang="en-US"/>
           </a:p>
@@ -1279,7 +1279,7 @@
             <a:fld id="{09B08682-293E-4766-A309-367DE8ACF71F}" type="datetimeFigureOut">
               <a:rPr lang="en-US" smtClean="0"/>
               <a:pPr/>
-              <a:t>9/30/2013</a:t>
+              <a:t>10/3/2013</a:t>
             </a:fld>
             <a:endParaRPr lang="en-US"/>
           </a:p>
@@ -1536,7 +1536,7 @@
             <a:fld id="{09B08682-293E-4766-A309-367DE8ACF71F}" type="datetimeFigureOut">
               <a:rPr lang="en-US" smtClean="0"/>
               <a:pPr/>
-              <a:t>9/30/2013</a:t>
+              <a:t>10/3/2013</a:t>
             </a:fld>
             <a:endParaRPr lang="en-US"/>
           </a:p>
@@ -1947,7 +1947,7 @@
             <a:fld id="{09B08682-293E-4766-A309-367DE8ACF71F}" type="datetimeFigureOut">
               <a:rPr lang="en-US" smtClean="0"/>
               <a:pPr/>
-              <a:t>9/30/2013</a:t>
+              <a:t>10/3/2013</a:t>
             </a:fld>
             <a:endParaRPr lang="en-US"/>
           </a:p>
@@ -2395,7 +2395,7 @@
             <a:fld id="{09B08682-293E-4766-A309-367DE8ACF71F}" type="datetimeFigureOut">
               <a:rPr lang="en-US" smtClean="0"/>
               <a:pPr/>
-              <a:t>9/30/2013</a:t>
+              <a:t>10/3/2013</a:t>
             </a:fld>
             <a:endParaRPr lang="en-US"/>
           </a:p>
@@ -2498,7 +2498,7 @@
             <a:fld id="{09B08682-293E-4766-A309-367DE8ACF71F}" type="datetimeFigureOut">
               <a:rPr lang="en-US" smtClean="0"/>
               <a:pPr/>
-              <a:t>9/30/2013</a:t>
+              <a:t>10/3/2013</a:t>
             </a:fld>
             <a:endParaRPr lang="en-US"/>
           </a:p>
@@ -2621,7 +2621,7 @@
             <a:fld id="{09B08682-293E-4766-A309-367DE8ACF71F}" type="datetimeFigureOut">
               <a:rPr lang="en-US" smtClean="0"/>
               <a:pPr/>
-              <a:t>9/30/2013</a:t>
+              <a:t>10/3/2013</a:t>
             </a:fld>
             <a:endParaRPr lang="en-US"/>
           </a:p>
@@ -2897,7 +2897,7 @@
             <a:fld id="{09B08682-293E-4766-A309-367DE8ACF71F}" type="datetimeFigureOut">
               <a:rPr lang="en-US" smtClean="0"/>
               <a:pPr/>
-              <a:t>9/30/2013</a:t>
+              <a:t>10/3/2013</a:t>
             </a:fld>
             <a:endParaRPr lang="en-US"/>
           </a:p>
@@ -3104,7 +3104,7 @@
             <a:fld id="{09B08682-293E-4766-A309-367DE8ACF71F}" type="datetimeFigureOut">
               <a:rPr lang="en-US" smtClean="0"/>
               <a:pPr/>
-              <a:t>9/30/2013</a:t>
+              <a:t>10/3/2013</a:t>
             </a:fld>
             <a:endParaRPr lang="en-US"/>
           </a:p>
@@ -4215,7 +4215,7 @@
             <a:fld id="{09B08682-293E-4766-A309-367DE8ACF71F}" type="datetimeFigureOut">
               <a:rPr lang="en-US" smtClean="0"/>
               <a:pPr/>
-              <a:t>9/30/2013</a:t>
+              <a:t>10/3/2013</a:t>
             </a:fld>
             <a:endParaRPr lang="en-US"/>
           </a:p>
@@ -4640,7 +4640,9 @@
           </a:xfrm>
         </p:spPr>
         <p:txBody>
-          <a:bodyPr/>
+          <a:bodyPr>
+            <a:normAutofit/>
+          </a:bodyPr>
           <a:lstStyle/>
           <a:p>
             <a:pPr algn="ctr"/>
@@ -4653,9 +4655,20 @@
             </a:br>
             <a:r>
               <a:rPr lang="en-US" dirty="0" smtClean="0"/>
-              <a:t>KWIC Project</a:t>
-            </a:r>
-            <a:endParaRPr lang="en-US" dirty="0"/>
+              <a:t>KWIC </a:t>
+            </a:r>
+            <a:r>
+              <a:rPr lang="en-US" dirty="0" smtClean="0"/>
+              <a:t>Project</a:t>
+            </a:r>
+            <a:br>
+              <a:rPr lang="en-US" dirty="0" smtClean="0"/>
+            </a:br>
+            <a:r>
+              <a:rPr lang="en-US" sz="1600" dirty="0" smtClean="0"/>
+              <a:t>www.utdallas.edu/~mrl081000/</a:t>
+            </a:r>
+            <a:endParaRPr lang="en-US" sz="1600" dirty="0"/>
           </a:p>
         </p:txBody>
       </p:sp>
@@ -4742,7 +4755,7 @@
             <a:pPr algn="ctr"/>
             <a:r>
               <a:rPr lang="en-US" dirty="0" err="1" smtClean="0"/>
-              <a:t>Gowthamsivan</a:t>
+              <a:t>Gowtham</a:t>
             </a:r>
             <a:r>
               <a:rPr lang="en-US" dirty="0" smtClean="0"/>
@@ -4908,8 +4921,8 @@
         </p:nvSpPr>
         <p:spPr>
           <a:xfrm>
-            <a:off x="685800" y="2229296"/>
-            <a:ext cx="7772400" cy="2571304"/>
+            <a:off x="152400" y="1828800"/>
+            <a:ext cx="8839200" cy="3866704"/>
           </a:xfrm>
         </p:spPr>
         <p:txBody>
@@ -4920,10 +4933,95 @@
           <a:p>
             <a:pPr algn="ctr"/>
             <a:r>
-              <a:rPr lang="en-US" dirty="0" smtClean="0"/>
-              <a:t>Management BS here</a:t>
-            </a:r>
-            <a:endParaRPr lang="en-US" dirty="0"/>
+              <a:rPr lang="en-US" sz="1800" dirty="0" smtClean="0"/>
+              <a:t>Goal: Good architecture and implementation prior to deadline.</a:t>
+            </a:r>
+          </a:p>
+          <a:p>
+            <a:pPr algn="l"/>
+            <a:r>
+              <a:rPr lang="en-US" sz="1600" dirty="0" smtClean="0"/>
+              <a:t>Plan: </a:t>
+            </a:r>
+          </a:p>
+          <a:p>
+            <a:pPr algn="l"/>
+            <a:r>
+              <a:rPr lang="en-US" sz="1600" dirty="0" smtClean="0"/>
+              <a:t>	Set timelines for milestones.</a:t>
+            </a:r>
+          </a:p>
+          <a:p>
+            <a:pPr algn="l"/>
+            <a:r>
+              <a:rPr lang="en-US" sz="1600" dirty="0" smtClean="0"/>
+              <a:t>	</a:t>
+            </a:r>
+          </a:p>
+          <a:p>
+            <a:pPr algn="l"/>
+            <a:r>
+              <a:rPr lang="en-US" sz="1600" dirty="0" smtClean="0"/>
+              <a:t>	Determine progress through docs, diagrams, and implementation status.</a:t>
+            </a:r>
+          </a:p>
+          <a:p>
+            <a:pPr algn="l"/>
+            <a:r>
+              <a:rPr lang="en-US" sz="1600" dirty="0" smtClean="0"/>
+              <a:t>	</a:t>
+            </a:r>
+          </a:p>
+          <a:p>
+            <a:pPr algn="l"/>
+            <a:r>
+              <a:rPr lang="en-US" sz="1600" dirty="0" smtClean="0"/>
+              <a:t>	Architectural decisions are made as a group.</a:t>
+            </a:r>
+          </a:p>
+          <a:p>
+            <a:pPr algn="l"/>
+            <a:r>
+              <a:rPr lang="en-US" sz="1600" dirty="0" smtClean="0"/>
+              <a:t>	</a:t>
+            </a:r>
+          </a:p>
+          <a:p>
+            <a:pPr algn="l"/>
+            <a:r>
+              <a:rPr lang="en-US" sz="1600" dirty="0" smtClean="0"/>
+              <a:t>	Non-functional </a:t>
+            </a:r>
+            <a:r>
+              <a:rPr lang="en-US" sz="1600" dirty="0" err="1" smtClean="0"/>
+              <a:t>reqs</a:t>
+            </a:r>
+            <a:r>
+              <a:rPr lang="en-US" sz="1600" dirty="0" smtClean="0"/>
+              <a:t> are prioritized to give rise to the detail design.</a:t>
+            </a:r>
+          </a:p>
+          <a:p>
+            <a:pPr algn="l"/>
+            <a:r>
+              <a:rPr lang="en-US" sz="1600" dirty="0" smtClean="0"/>
+              <a:t>	</a:t>
+            </a:r>
+          </a:p>
+          <a:p>
+            <a:pPr algn="l"/>
+            <a:r>
+              <a:rPr lang="en-US" sz="1600" dirty="0" smtClean="0"/>
+              <a:t>	Group priorities will shift according to the progress of each milestone. </a:t>
+            </a:r>
+          </a:p>
+          <a:p>
+            <a:pPr algn="l"/>
+            <a:r>
+              <a:rPr lang="en-US" sz="1800" dirty="0" smtClean="0"/>
+              <a:t>	</a:t>
+            </a:r>
+            <a:endParaRPr lang="en-US" sz="1800" dirty="0"/>
           </a:p>
         </p:txBody>
       </p:sp>
@@ -10682,7 +10780,7 @@
     </p:spTree>
     <p:extLst>
       <p:ext uri="{BB962C8B-B14F-4D97-AF65-F5344CB8AC3E}">
-        <p14:creationId xmlns="" xmlns:p14="http://schemas.microsoft.com/office/powerpoint/2010/main" val="1609984808"/>
+        <p14:creationId xmlns:p14="http://schemas.microsoft.com/office/powerpoint/2010/main" xmlns="" val="1609984808"/>
       </p:ext>
     </p:extLst>
   </p:cSld>
@@ -10723,15 +10821,10 @@
             <a:spLocks noGrp="1"/>
           </p:cNvSpPr>
           <p:nvPr>
-            <p:ph type="ctrTitle"/>
+            <p:ph type="title"/>
           </p:nvPr>
         </p:nvSpPr>
-        <p:spPr>
-          <a:xfrm>
-            <a:off x="685800" y="304800"/>
-            <a:ext cx="7772400" cy="1371600"/>
-          </a:xfrm>
-        </p:spPr>
+        <p:spPr/>
         <p:txBody>
           <a:bodyPr>
             <a:normAutofit fontScale="90000"/>
@@ -10771,7 +10864,7 @@
         </p:blipFill>
         <p:spPr bwMode="auto">
           <a:xfrm>
-            <a:off x="1285875" y="1752600"/>
+            <a:off x="1895475" y="1524000"/>
             <a:ext cx="6867525" cy="4695825"/>
           </a:xfrm>
           <a:prstGeom prst="rect">
@@ -10868,8 +10961,8 @@
         </p:nvSpPr>
         <p:spPr>
           <a:xfrm>
-            <a:off x="685800" y="2229296"/>
-            <a:ext cx="7772400" cy="2571304"/>
+            <a:off x="1676400" y="2229296"/>
+            <a:ext cx="7391400" cy="2571304"/>
           </a:xfrm>
         </p:spPr>
         <p:txBody>
@@ -10878,30 +10971,42 @@
           </a:bodyPr>
           <a:lstStyle/>
           <a:p>
-            <a:pPr algn="ctr"/>
-            <a:r>
-              <a:rPr lang="en-US" dirty="0" smtClean="0"/>
+            <a:pPr algn="l"/>
+            <a:r>
+              <a:rPr lang="en-US" sz="2000" dirty="0" smtClean="0"/>
               <a:t>Created Software Project Management Plan</a:t>
             </a:r>
           </a:p>
           <a:p>
-            <a:pPr algn="ctr"/>
-            <a:r>
-              <a:rPr lang="en-US" dirty="0" smtClean="0"/>
+            <a:pPr algn="l"/>
+            <a:endParaRPr lang="en-US" sz="2000" dirty="0" smtClean="0"/>
+          </a:p>
+          <a:p>
+            <a:pPr algn="l"/>
+            <a:r>
+              <a:rPr lang="en-US" sz="2000" dirty="0" smtClean="0"/>
               <a:t>Finalized Software Requirements</a:t>
             </a:r>
           </a:p>
           <a:p>
-            <a:pPr algn="ctr"/>
-            <a:r>
-              <a:rPr lang="en-US" dirty="0" smtClean="0"/>
+            <a:pPr algn="l"/>
+            <a:endParaRPr lang="en-US" sz="2000" dirty="0" smtClean="0"/>
+          </a:p>
+          <a:p>
+            <a:pPr algn="l"/>
+            <a:r>
+              <a:rPr lang="en-US" sz="2000" dirty="0" smtClean="0"/>
               <a:t>Created Iterative Design</a:t>
             </a:r>
           </a:p>
           <a:p>
-            <a:pPr algn="ctr"/>
-            <a:r>
-              <a:rPr lang="en-US" dirty="0" smtClean="0"/>
+            <a:pPr algn="l"/>
+            <a:endParaRPr lang="en-US" sz="2000" dirty="0" smtClean="0"/>
+          </a:p>
+          <a:p>
+            <a:pPr algn="l"/>
+            <a:r>
+              <a:rPr lang="en-US" sz="2000" dirty="0" smtClean="0"/>
               <a:t>Created Iterative Implementation</a:t>
             </a:r>
           </a:p>
@@ -10989,8 +11094,8 @@
         </p:nvSpPr>
         <p:spPr>
           <a:xfrm>
-            <a:off x="685800" y="2229296"/>
-            <a:ext cx="7772400" cy="2571304"/>
+            <a:off x="1905000" y="2229296"/>
+            <a:ext cx="5638800" cy="2571304"/>
           </a:xfrm>
         </p:spPr>
         <p:txBody>
@@ -10999,30 +11104,42 @@
           </a:bodyPr>
           <a:lstStyle/>
           <a:p>
-            <a:pPr algn="ctr"/>
-            <a:r>
-              <a:rPr lang="en-US" dirty="0" smtClean="0"/>
+            <a:pPr algn="l"/>
+            <a:r>
+              <a:rPr lang="en-US" sz="2000" dirty="0" smtClean="0"/>
               <a:t>Finalize Software Project Management Plan</a:t>
             </a:r>
           </a:p>
           <a:p>
-            <a:pPr algn="ctr"/>
-            <a:r>
-              <a:rPr lang="en-US" dirty="0" smtClean="0"/>
+            <a:pPr algn="l"/>
+            <a:endParaRPr lang="en-US" sz="2000" dirty="0" smtClean="0"/>
+          </a:p>
+          <a:p>
+            <a:pPr algn="l"/>
+            <a:r>
+              <a:rPr lang="en-US" sz="2000" dirty="0" smtClean="0"/>
               <a:t>Finalize Software Design Documentation</a:t>
             </a:r>
           </a:p>
           <a:p>
-            <a:pPr algn="ctr"/>
-            <a:r>
-              <a:rPr lang="en-US" dirty="0" smtClean="0"/>
+            <a:pPr algn="l"/>
+            <a:endParaRPr lang="en-US" sz="2000" dirty="0" smtClean="0"/>
+          </a:p>
+          <a:p>
+            <a:pPr algn="l"/>
+            <a:r>
+              <a:rPr lang="en-US" sz="2000" dirty="0" smtClean="0"/>
               <a:t>Finalize Software Test Documentation</a:t>
             </a:r>
           </a:p>
           <a:p>
-            <a:pPr algn="ctr"/>
-            <a:r>
-              <a:rPr lang="en-US" dirty="0" smtClean="0"/>
+            <a:pPr algn="l"/>
+            <a:endParaRPr lang="en-US" sz="2000" dirty="0" smtClean="0"/>
+          </a:p>
+          <a:p>
+            <a:pPr algn="l"/>
+            <a:r>
+              <a:rPr lang="en-US" sz="2000" dirty="0" smtClean="0"/>
               <a:t>Complete Implementation</a:t>
             </a:r>
           </a:p>
